--- a/Lecture Slides/18 UI Design.pptx
+++ b/Lecture Slides/18 UI Design.pptx
@@ -274,7 +274,7 @@
           <a:p>
             <a:fld id="{6475DD98-38E2-1E46-BAE0-93385EF0B81E}" type="datetimeFigureOut">
               <a:rPr lang="en-US" smtClean="0"/>
-              <a:t>12/4/2018</a:t>
+              <a:t>12/5/2018</a:t>
             </a:fld>
             <a:endParaRPr lang="en-US"/>
           </a:p>
@@ -437,7 +437,7 @@
           <a:p>
             <a:fld id="{6475DD98-38E2-1E46-BAE0-93385EF0B81E}" type="datetimeFigureOut">
               <a:rPr lang="en-US" smtClean="0"/>
-              <a:t>12/4/2018</a:t>
+              <a:t>12/5/2018</a:t>
             </a:fld>
             <a:endParaRPr lang="en-US"/>
           </a:p>
@@ -610,7 +610,7 @@
           <a:p>
             <a:fld id="{6475DD98-38E2-1E46-BAE0-93385EF0B81E}" type="datetimeFigureOut">
               <a:rPr lang="en-US" smtClean="0"/>
-              <a:t>12/4/2018</a:t>
+              <a:t>12/5/2018</a:t>
             </a:fld>
             <a:endParaRPr lang="en-US"/>
           </a:p>
@@ -821,7 +821,7 @@
           <a:p>
             <a:fld id="{6475DD98-38E2-1E46-BAE0-93385EF0B81E}" type="datetimeFigureOut">
               <a:rPr lang="en-US" smtClean="0"/>
-              <a:t>12/4/2018</a:t>
+              <a:t>12/5/2018</a:t>
             </a:fld>
             <a:endParaRPr lang="en-US"/>
           </a:p>
@@ -1061,7 +1061,7 @@
           <a:p>
             <a:fld id="{6475DD98-38E2-1E46-BAE0-93385EF0B81E}" type="datetimeFigureOut">
               <a:rPr lang="en-US" smtClean="0"/>
-              <a:t>12/4/2018</a:t>
+              <a:t>12/5/2018</a:t>
             </a:fld>
             <a:endParaRPr lang="en-US"/>
           </a:p>
@@ -1285,7 +1285,7 @@
           <a:p>
             <a:fld id="{6475DD98-38E2-1E46-BAE0-93385EF0B81E}" type="datetimeFigureOut">
               <a:rPr lang="en-US" smtClean="0"/>
-              <a:t>12/4/2018</a:t>
+              <a:t>12/5/2018</a:t>
             </a:fld>
             <a:endParaRPr lang="en-US"/>
           </a:p>
@@ -1644,7 +1644,7 @@
           <a:p>
             <a:fld id="{6475DD98-38E2-1E46-BAE0-93385EF0B81E}" type="datetimeFigureOut">
               <a:rPr lang="en-US" smtClean="0"/>
-              <a:t>12/4/2018</a:t>
+              <a:t>12/5/2018</a:t>
             </a:fld>
             <a:endParaRPr lang="en-US"/>
           </a:p>
@@ -1756,7 +1756,7 @@
           <a:p>
             <a:fld id="{6475DD98-38E2-1E46-BAE0-93385EF0B81E}" type="datetimeFigureOut">
               <a:rPr lang="en-US" smtClean="0"/>
-              <a:t>12/4/2018</a:t>
+              <a:t>12/5/2018</a:t>
             </a:fld>
             <a:endParaRPr lang="en-US"/>
           </a:p>
@@ -1846,7 +1846,7 @@
           <a:p>
             <a:fld id="{6475DD98-38E2-1E46-BAE0-93385EF0B81E}" type="datetimeFigureOut">
               <a:rPr lang="en-US" smtClean="0"/>
-              <a:t>12/4/2018</a:t>
+              <a:t>12/5/2018</a:t>
             </a:fld>
             <a:endParaRPr lang="en-US"/>
           </a:p>
@@ -2116,7 +2116,7 @@
           <a:p>
             <a:fld id="{6475DD98-38E2-1E46-BAE0-93385EF0B81E}" type="datetimeFigureOut">
               <a:rPr lang="en-US" smtClean="0"/>
-              <a:t>12/4/2018</a:t>
+              <a:t>12/5/2018</a:t>
             </a:fld>
             <a:endParaRPr lang="en-US"/>
           </a:p>
@@ -2363,7 +2363,7 @@
           <a:p>
             <a:fld id="{6475DD98-38E2-1E46-BAE0-93385EF0B81E}" type="datetimeFigureOut">
               <a:rPr lang="en-US" smtClean="0"/>
-              <a:t>12/4/2018</a:t>
+              <a:t>12/5/2018</a:t>
             </a:fld>
             <a:endParaRPr lang="en-US"/>
           </a:p>
@@ -2572,7 +2572,7 @@
             <a:fld id="{6475DD98-38E2-1E46-BAE0-93385EF0B81E}" type="datetimeFigureOut">
               <a:rPr lang="en-US" smtClean="0"/>
               <a:pPr/>
-              <a:t>12/4/2018</a:t>
+              <a:t>12/5/2018</a:t>
             </a:fld>
             <a:endParaRPr lang="en-US"/>
           </a:p>
@@ -3323,24 +3323,39 @@
           <a:bodyPr/>
           <a:lstStyle/>
           <a:p>
+            <a:pPr marL="0" indent="0">
+              <a:buNone/>
+            </a:pPr>
             <a:r>
               <a:rPr lang="en-GB" dirty="0"/>
               <a:t>Nielsen has collaborated with a colleague to develop just such as list of guidelines</a:t>
             </a:r>
           </a:p>
           <a:p>
+            <a:pPr marL="0" indent="0">
+              <a:buNone/>
+            </a:pPr>
             <a:endParaRPr lang="en-GB" dirty="0"/>
           </a:p>
           <a:p>
+            <a:pPr marL="0" indent="0">
+              <a:buNone/>
+            </a:pPr>
             <a:r>
               <a:rPr lang="en-GB" dirty="0"/>
               <a:t>These are aimed at website design, but are generally applicable to other types of application</a:t>
             </a:r>
           </a:p>
           <a:p>
+            <a:pPr marL="0" indent="0">
+              <a:buNone/>
+            </a:pPr>
             <a:endParaRPr lang="en-GB" dirty="0"/>
           </a:p>
           <a:p>
+            <a:pPr marL="0" indent="0">
+              <a:buNone/>
+            </a:pPr>
             <a:r>
               <a:rPr lang="en-GB" dirty="0"/>
               <a:t>Although some are still a bit abstract and hard to apply, there is plenty of good specific advice</a:t>
@@ -3843,7 +3858,7 @@
           <a:p>
             <a:r>
               <a:rPr lang="en-GB" dirty="0"/>
-              <a:t>Use dark text on light backgrounds</a:t>
+              <a:t>Use dark text on light backgrounds (or vice versa)</a:t>
             </a:r>
           </a:p>
           <a:p>
@@ -3926,7 +3941,7 @@
         <p:spPr>
           <a:xfrm>
             <a:off x="910389" y="3915276"/>
-            <a:ext cx="5113221" cy="0"/>
+            <a:ext cx="7227771" cy="0"/>
           </a:xfrm>
           <a:prstGeom prst="line">
             <a:avLst/>
@@ -5133,6 +5148,58 @@
           <a:chExt cx="0" cy="0"/>
         </a:xfrm>
       </p:grpSpPr>
+      <p:sp>
+        <p:nvSpPr>
+          <p:cNvPr id="2" name="Rectangle 1">
+            <a:extLst>
+              <a:ext uri="{FF2B5EF4-FFF2-40B4-BE49-F238E27FC236}">
+                <a16:creationId xmlns:a16="http://schemas.microsoft.com/office/drawing/2014/main" id="{D0C91999-14E3-49B2-A4AF-B8039213CA75}"/>
+              </a:ext>
+            </a:extLst>
+          </p:cNvPr>
+          <p:cNvSpPr/>
+          <p:nvPr/>
+        </p:nvSpPr>
+        <p:spPr>
+          <a:xfrm>
+            <a:off x="1" y="11288"/>
+            <a:ext cx="9143999" cy="6846712"/>
+          </a:xfrm>
+          <a:prstGeom prst="rect">
+            <a:avLst/>
+          </a:prstGeom>
+          <a:solidFill>
+            <a:srgbClr val="2E2E38"/>
+          </a:solidFill>
+          <a:ln>
+            <a:noFill/>
+          </a:ln>
+        </p:spPr>
+        <p:style>
+          <a:lnRef idx="2">
+            <a:schemeClr val="accent1">
+              <a:shade val="50000"/>
+            </a:schemeClr>
+          </a:lnRef>
+          <a:fillRef idx="1">
+            <a:schemeClr val="accent1"/>
+          </a:fillRef>
+          <a:effectRef idx="0">
+            <a:schemeClr val="accent1"/>
+          </a:effectRef>
+          <a:fontRef idx="minor">
+            <a:schemeClr val="lt1"/>
+          </a:fontRef>
+        </p:style>
+        <p:txBody>
+          <a:bodyPr rtlCol="0" anchor="ctr"/>
+          <a:lstStyle/>
+          <a:p>
+            <a:pPr algn="ctr"/>
+            <a:endParaRPr lang="en-GB"/>
+          </a:p>
+        </p:txBody>
+      </p:sp>
       <p:pic>
         <p:nvPicPr>
           <p:cNvPr id="4" name="Picture 3">
@@ -9698,7 +9765,15 @@
           <a:p>
             <a:r>
               <a:rPr lang="en-GB" dirty="0"/>
-              <a:t>It’s your choice :o)</a:t>
+              <a:t>The choice </a:t>
+            </a:r>
+            <a:r>
+              <a:rPr lang="en-GB"/>
+              <a:t>is yours :</a:t>
+            </a:r>
+            <a:r>
+              <a:rPr lang="en-GB" dirty="0"/>
+              <a:t>o)</a:t>
             </a:r>
           </a:p>
         </p:txBody>
@@ -10716,11 +10791,197 @@
           </a:p>
         </p:txBody>
       </p:sp>
+      <p:sp>
+        <p:nvSpPr>
+          <p:cNvPr id="4" name="Rectangle: Rounded Corners 3">
+            <a:extLst>
+              <a:ext uri="{FF2B5EF4-FFF2-40B4-BE49-F238E27FC236}">
+                <a16:creationId xmlns:a16="http://schemas.microsoft.com/office/drawing/2014/main" id="{B656EF91-409D-4D94-B677-53A96CE78B8E}"/>
+              </a:ext>
+            </a:extLst>
+          </p:cNvPr>
+          <p:cNvSpPr/>
+          <p:nvPr/>
+        </p:nvSpPr>
+        <p:spPr>
+          <a:xfrm rot="19602286">
+            <a:off x="5719437" y="2564301"/>
+            <a:ext cx="3006090" cy="1053019"/>
+          </a:xfrm>
+          <a:prstGeom prst="roundRect">
+            <a:avLst/>
+          </a:prstGeom>
+          <a:noFill/>
+          <a:ln w="127000">
+            <a:solidFill>
+              <a:schemeClr val="bg1"/>
+            </a:solidFill>
+          </a:ln>
+        </p:spPr>
+        <p:style>
+          <a:lnRef idx="2">
+            <a:schemeClr val="accent1">
+              <a:shade val="50000"/>
+            </a:schemeClr>
+          </a:lnRef>
+          <a:fillRef idx="1">
+            <a:schemeClr val="accent1"/>
+          </a:fillRef>
+          <a:effectRef idx="0">
+            <a:schemeClr val="accent1"/>
+          </a:effectRef>
+          <a:fontRef idx="minor">
+            <a:schemeClr val="lt1"/>
+          </a:fontRef>
+        </p:style>
+        <p:txBody>
+          <a:bodyPr rtlCol="0" anchor="ctr"/>
+          <a:lstStyle/>
+          <a:p>
+            <a:pPr algn="ctr"/>
+            <a:r>
+              <a:rPr lang="en-GB" sz="2400" dirty="0"/>
+              <a:t>Which is most useful</a:t>
+            </a:r>
+          </a:p>
+          <a:p>
+            <a:pPr algn="ctr"/>
+            <a:r>
+              <a:rPr lang="en-GB" sz="2400" dirty="0"/>
+              <a:t>(to your project) ?</a:t>
+            </a:r>
+          </a:p>
+        </p:txBody>
+      </p:sp>
     </p:spTree>
   </p:cSld>
   <p:clrMapOvr>
     <a:masterClrMapping/>
   </p:clrMapOvr>
+  <p:timing>
+    <p:tnLst>
+      <p:par>
+        <p:cTn id="1" dur="indefinite" restart="never" nodeType="tmRoot">
+          <p:childTnLst>
+            <p:seq concurrent="1" nextAc="seek">
+              <p:cTn id="2" dur="indefinite" nodeType="mainSeq">
+                <p:childTnLst>
+                  <p:par>
+                    <p:cTn id="3" fill="hold">
+                      <p:stCondLst>
+                        <p:cond delay="indefinite"/>
+                      </p:stCondLst>
+                      <p:childTnLst>
+                        <p:par>
+                          <p:cTn id="4" fill="hold">
+                            <p:stCondLst>
+                              <p:cond delay="0"/>
+                            </p:stCondLst>
+                            <p:childTnLst>
+                              <p:par>
+                                <p:cTn id="5" presetID="23" presetClass="entr" presetSubtype="32" fill="hold" grpId="0" nodeType="clickEffect">
+                                  <p:stCondLst>
+                                    <p:cond delay="0"/>
+                                  </p:stCondLst>
+                                  <p:childTnLst>
+                                    <p:set>
+                                      <p:cBhvr>
+                                        <p:cTn id="6" dur="1" fill="hold">
+                                          <p:stCondLst>
+                                            <p:cond delay="0"/>
+                                          </p:stCondLst>
+                                        </p:cTn>
+                                        <p:tgtEl>
+                                          <p:spTgt spid="4"/>
+                                        </p:tgtEl>
+                                        <p:attrNameLst>
+                                          <p:attrName>style.visibility</p:attrName>
+                                        </p:attrNameLst>
+                                      </p:cBhvr>
+                                      <p:to>
+                                        <p:strVal val="visible"/>
+                                      </p:to>
+                                    </p:set>
+                                    <p:anim calcmode="lin" valueType="num">
+                                      <p:cBhvr>
+                                        <p:cTn id="7" dur="500" fill="hold"/>
+                                        <p:tgtEl>
+                                          <p:spTgt spid="4"/>
+                                        </p:tgtEl>
+                                        <p:attrNameLst>
+                                          <p:attrName>ppt_w</p:attrName>
+                                        </p:attrNameLst>
+                                      </p:cBhvr>
+                                      <p:tavLst>
+                                        <p:tav tm="0">
+                                          <p:val>
+                                            <p:strVal val="4*#ppt_w"/>
+                                          </p:val>
+                                        </p:tav>
+                                        <p:tav tm="100000">
+                                          <p:val>
+                                            <p:strVal val="#ppt_w"/>
+                                          </p:val>
+                                        </p:tav>
+                                      </p:tavLst>
+                                    </p:anim>
+                                    <p:anim calcmode="lin" valueType="num">
+                                      <p:cBhvr>
+                                        <p:cTn id="8" dur="500" fill="hold"/>
+                                        <p:tgtEl>
+                                          <p:spTgt spid="4"/>
+                                        </p:tgtEl>
+                                        <p:attrNameLst>
+                                          <p:attrName>ppt_h</p:attrName>
+                                        </p:attrNameLst>
+                                      </p:cBhvr>
+                                      <p:tavLst>
+                                        <p:tav tm="0">
+                                          <p:val>
+                                            <p:strVal val="4*#ppt_h"/>
+                                          </p:val>
+                                        </p:tav>
+                                        <p:tav tm="100000">
+                                          <p:val>
+                                            <p:strVal val="#ppt_h"/>
+                                          </p:val>
+                                        </p:tav>
+                                      </p:tavLst>
+                                    </p:anim>
+                                  </p:childTnLst>
+                                </p:cTn>
+                              </p:par>
+                            </p:childTnLst>
+                          </p:cTn>
+                        </p:par>
+                      </p:childTnLst>
+                    </p:cTn>
+                  </p:par>
+                </p:childTnLst>
+              </p:cTn>
+              <p:prevCondLst>
+                <p:cond evt="onPrev" delay="0">
+                  <p:tgtEl>
+                    <p:sldTgt/>
+                  </p:tgtEl>
+                </p:cond>
+              </p:prevCondLst>
+              <p:nextCondLst>
+                <p:cond evt="onNext" delay="0">
+                  <p:tgtEl>
+                    <p:sldTgt/>
+                  </p:tgtEl>
+                </p:cond>
+              </p:nextCondLst>
+            </p:seq>
+          </p:childTnLst>
+        </p:cTn>
+      </p:par>
+    </p:tnLst>
+    <p:bldLst>
+      <p:bldP spid="4" grpId="0" animBg="1"/>
+    </p:bldLst>
+  </p:timing>
 </p:sld>
 </file>
 
